--- a/Final.pptx
+++ b/Final.pptx
@@ -3950,6 +3950,10 @@
               <a:t>-</a:t>
             </a:r>
             <a:r>
+              <a:rPr lang="zh-CN" altLang="en-US" sz="2400" dirty="0" smtClean="0"/>
+              <a:t> </a:t>
+            </a:r>
+            <a:r>
               <a:rPr lang="mr-IN" sz="2400" dirty="0" smtClean="0"/>
               <a:t>…</a:t>
             </a:r>
@@ -4233,10 +4237,10 @@
           <a:lstStyle/>
           <a:p>
             <a:r>
-              <a:rPr lang="en-US" smtClean="0"/>
+              <a:rPr lang="en-US" dirty="0" smtClean="0"/>
               <a:t>Thanks</a:t>
             </a:r>
-            <a:endParaRPr lang="en-US"/>
+            <a:endParaRPr lang="en-US" dirty="0"/>
           </a:p>
         </p:txBody>
       </p:sp>
